--- a/LO54-pwp.pptx
+++ b/LO54-pwp.pptx
@@ -108,6 +108,22 @@
       </a:defRPr>
     </a:lvl9pPr>
   </p:defaultTextStyle>
+  <p:extLst>
+    <p:ext uri="{EFAFB233-063F-42B5-8137-9DF3F51BA10A}">
+      <p15:sldGuideLst xmlns:p15="http://schemas.microsoft.com/office/powerpoint/2012/main">
+        <p15:guide id="1" orient="horz" pos="2160">
+          <p15:clr>
+            <a:srgbClr val="A4A3A4"/>
+          </p15:clr>
+        </p15:guide>
+        <p15:guide id="2" pos="2880">
+          <p15:clr>
+            <a:srgbClr val="A4A3A4"/>
+          </p15:clr>
+        </p15:guide>
+      </p15:sldGuideLst>
+    </p:ext>
+  </p:extLst>
 </p:presentation>
 </file>
 
@@ -157,7 +173,7 @@
           </a:lstStyle>
           <a:p>
             <a:r>
-              <a:rPr kumimoji="0" lang="fr-FR" smtClean="0"/>
+              <a:rPr kumimoji="0" lang="fr-FR"/>
               <a:t>Modifiez le style du titre</a:t>
             </a:r>
             <a:endParaRPr kumimoji="0" lang="en-US"/>
@@ -221,7 +237,7 @@
           </a:lstStyle>
           <a:p>
             <a:r>
-              <a:rPr kumimoji="0" lang="fr-FR" smtClean="0"/>
+              <a:rPr kumimoji="0" lang="fr-FR"/>
               <a:t>Modifiez le style des sous-titres du masque</a:t>
             </a:r>
             <a:endParaRPr kumimoji="0" lang="en-US"/>
@@ -537,7 +553,7 @@
           <a:lstStyle/>
           <a:p>
             <a:r>
-              <a:rPr kumimoji="0" lang="fr-FR" smtClean="0"/>
+              <a:rPr kumimoji="0" lang="fr-FR"/>
               <a:t>Modifiez le style du titre</a:t>
             </a:r>
             <a:endParaRPr kumimoji="0" lang="en-US"/>
@@ -561,35 +577,35 @@
           <a:p>
             <a:pPr lvl="0" eaLnBrk="1" latinLnBrk="0" hangingPunct="1"/>
             <a:r>
-              <a:rPr lang="fr-FR" smtClean="0"/>
+              <a:rPr lang="fr-FR"/>
               <a:t>Modifiez les styles du texte du masque</a:t>
             </a:r>
           </a:p>
           <a:p>
             <a:pPr lvl="1" eaLnBrk="1" latinLnBrk="0" hangingPunct="1"/>
             <a:r>
-              <a:rPr lang="fr-FR" smtClean="0"/>
+              <a:rPr lang="fr-FR"/>
               <a:t>Deuxième niveau</a:t>
             </a:r>
           </a:p>
           <a:p>
             <a:pPr lvl="2" eaLnBrk="1" latinLnBrk="0" hangingPunct="1"/>
             <a:r>
-              <a:rPr lang="fr-FR" smtClean="0"/>
+              <a:rPr lang="fr-FR"/>
               <a:t>Troisième niveau</a:t>
             </a:r>
           </a:p>
           <a:p>
             <a:pPr lvl="3" eaLnBrk="1" latinLnBrk="0" hangingPunct="1"/>
             <a:r>
-              <a:rPr lang="fr-FR" smtClean="0"/>
+              <a:rPr lang="fr-FR"/>
               <a:t>Quatrième niveau</a:t>
             </a:r>
           </a:p>
           <a:p>
             <a:pPr lvl="4" eaLnBrk="1" latinLnBrk="0" hangingPunct="1"/>
             <a:r>
-              <a:rPr lang="fr-FR" smtClean="0"/>
+              <a:rPr lang="fr-FR"/>
               <a:t>Cinquième niveau</a:t>
             </a:r>
             <a:endParaRPr kumimoji="0" lang="en-US"/>
@@ -707,7 +723,7 @@
           <a:lstStyle/>
           <a:p>
             <a:r>
-              <a:rPr kumimoji="0" lang="fr-FR" smtClean="0"/>
+              <a:rPr kumimoji="0" lang="fr-FR"/>
               <a:t>Modifiez le style du titre</a:t>
             </a:r>
             <a:endParaRPr kumimoji="0" lang="en-US"/>
@@ -736,35 +752,35 @@
           <a:p>
             <a:pPr lvl="0" eaLnBrk="1" latinLnBrk="0" hangingPunct="1"/>
             <a:r>
-              <a:rPr lang="fr-FR" smtClean="0"/>
+              <a:rPr lang="fr-FR"/>
               <a:t>Modifiez les styles du texte du masque</a:t>
             </a:r>
           </a:p>
           <a:p>
             <a:pPr lvl="1" eaLnBrk="1" latinLnBrk="0" hangingPunct="1"/>
             <a:r>
-              <a:rPr lang="fr-FR" smtClean="0"/>
+              <a:rPr lang="fr-FR"/>
               <a:t>Deuxième niveau</a:t>
             </a:r>
           </a:p>
           <a:p>
             <a:pPr lvl="2" eaLnBrk="1" latinLnBrk="0" hangingPunct="1"/>
             <a:r>
-              <a:rPr lang="fr-FR" smtClean="0"/>
+              <a:rPr lang="fr-FR"/>
               <a:t>Troisième niveau</a:t>
             </a:r>
           </a:p>
           <a:p>
             <a:pPr lvl="3" eaLnBrk="1" latinLnBrk="0" hangingPunct="1"/>
             <a:r>
-              <a:rPr lang="fr-FR" smtClean="0"/>
+              <a:rPr lang="fr-FR"/>
               <a:t>Quatrième niveau</a:t>
             </a:r>
           </a:p>
           <a:p>
             <a:pPr lvl="4" eaLnBrk="1" latinLnBrk="0" hangingPunct="1"/>
             <a:r>
-              <a:rPr lang="fr-FR" smtClean="0"/>
+              <a:rPr lang="fr-FR"/>
               <a:t>Cinquième niveau</a:t>
             </a:r>
             <a:endParaRPr kumimoji="0" lang="en-US"/>
@@ -999,7 +1015,7 @@
           <a:lstStyle/>
           <a:p>
             <a:r>
-              <a:rPr kumimoji="0" lang="fr-FR" smtClean="0"/>
+              <a:rPr kumimoji="0" lang="fr-FR"/>
               <a:t>Modifiez le style du titre</a:t>
             </a:r>
             <a:endParaRPr kumimoji="0" lang="en-US"/>
@@ -1093,35 +1109,35 @@
           <a:p>
             <a:pPr lvl="0" eaLnBrk="1" latinLnBrk="0" hangingPunct="1"/>
             <a:r>
-              <a:rPr lang="fr-FR" smtClean="0"/>
+              <a:rPr lang="fr-FR"/>
               <a:t>Modifiez les styles du texte du masque</a:t>
             </a:r>
           </a:p>
           <a:p>
             <a:pPr lvl="1" eaLnBrk="1" latinLnBrk="0" hangingPunct="1"/>
             <a:r>
-              <a:rPr lang="fr-FR" smtClean="0"/>
+              <a:rPr lang="fr-FR"/>
               <a:t>Deuxième niveau</a:t>
             </a:r>
           </a:p>
           <a:p>
             <a:pPr lvl="2" eaLnBrk="1" latinLnBrk="0" hangingPunct="1"/>
             <a:r>
-              <a:rPr lang="fr-FR" smtClean="0"/>
+              <a:rPr lang="fr-FR"/>
               <a:t>Troisième niveau</a:t>
             </a:r>
           </a:p>
           <a:p>
             <a:pPr lvl="3" eaLnBrk="1" latinLnBrk="0" hangingPunct="1"/>
             <a:r>
-              <a:rPr lang="fr-FR" smtClean="0"/>
+              <a:rPr lang="fr-FR"/>
               <a:t>Quatrième niveau</a:t>
             </a:r>
           </a:p>
           <a:p>
             <a:pPr lvl="4" eaLnBrk="1" latinLnBrk="0" hangingPunct="1"/>
             <a:r>
-              <a:rPr lang="fr-FR" smtClean="0"/>
+              <a:rPr lang="fr-FR"/>
               <a:t>Cinquième niveau</a:t>
             </a:r>
             <a:endParaRPr kumimoji="0" lang="en-US"/>
@@ -1184,7 +1200,7 @@
           </a:lstStyle>
           <a:p>
             <a:r>
-              <a:rPr kumimoji="0" lang="fr-FR" smtClean="0"/>
+              <a:rPr kumimoji="0" lang="fr-FR"/>
               <a:t>Modifiez le style du titre</a:t>
             </a:r>
             <a:endParaRPr kumimoji="0" lang="en-US"/>
@@ -1264,7 +1280,7 @@
           <a:p>
             <a:pPr lvl="0" eaLnBrk="1" latinLnBrk="0" hangingPunct="1"/>
             <a:r>
-              <a:rPr kumimoji="0" lang="fr-FR" smtClean="0"/>
+              <a:rPr kumimoji="0" lang="fr-FR"/>
               <a:t>Modifiez les styles du texte du masque</a:t>
             </a:r>
           </a:p>
@@ -1488,7 +1504,7 @@
           <a:lstStyle/>
           <a:p>
             <a:r>
-              <a:rPr kumimoji="0" lang="fr-FR" smtClean="0"/>
+              <a:rPr kumimoji="0" lang="fr-FR"/>
               <a:t>Modifiez le style du titre</a:t>
             </a:r>
             <a:endParaRPr kumimoji="0" lang="en-US"/>
@@ -1582,35 +1598,35 @@
           <a:p>
             <a:pPr lvl="0" eaLnBrk="1" latinLnBrk="0" hangingPunct="1"/>
             <a:r>
-              <a:rPr lang="fr-FR" smtClean="0"/>
+              <a:rPr lang="fr-FR"/>
               <a:t>Modifiez les styles du texte du masque</a:t>
             </a:r>
           </a:p>
           <a:p>
             <a:pPr lvl="1" eaLnBrk="1" latinLnBrk="0" hangingPunct="1"/>
             <a:r>
-              <a:rPr lang="fr-FR" smtClean="0"/>
+              <a:rPr lang="fr-FR"/>
               <a:t>Deuxième niveau</a:t>
             </a:r>
           </a:p>
           <a:p>
             <a:pPr lvl="2" eaLnBrk="1" latinLnBrk="0" hangingPunct="1"/>
             <a:r>
-              <a:rPr lang="fr-FR" smtClean="0"/>
+              <a:rPr lang="fr-FR"/>
               <a:t>Troisième niveau</a:t>
             </a:r>
           </a:p>
           <a:p>
             <a:pPr lvl="3" eaLnBrk="1" latinLnBrk="0" hangingPunct="1"/>
             <a:r>
-              <a:rPr lang="fr-FR" smtClean="0"/>
+              <a:rPr lang="fr-FR"/>
               <a:t>Quatrième niveau</a:t>
             </a:r>
           </a:p>
           <a:p>
             <a:pPr lvl="4" eaLnBrk="1" latinLnBrk="0" hangingPunct="1"/>
             <a:r>
-              <a:rPr lang="fr-FR" smtClean="0"/>
+              <a:rPr lang="fr-FR"/>
               <a:t>Cinquième niveau</a:t>
             </a:r>
             <a:endParaRPr kumimoji="0" lang="en-US"/>
@@ -1639,35 +1655,35 @@
           <a:p>
             <a:pPr lvl="0" eaLnBrk="1" latinLnBrk="0" hangingPunct="1"/>
             <a:r>
-              <a:rPr lang="fr-FR" smtClean="0"/>
+              <a:rPr lang="fr-FR"/>
               <a:t>Modifiez les styles du texte du masque</a:t>
             </a:r>
           </a:p>
           <a:p>
             <a:pPr lvl="1" eaLnBrk="1" latinLnBrk="0" hangingPunct="1"/>
             <a:r>
-              <a:rPr lang="fr-FR" smtClean="0"/>
+              <a:rPr lang="fr-FR"/>
               <a:t>Deuxième niveau</a:t>
             </a:r>
           </a:p>
           <a:p>
             <a:pPr lvl="2" eaLnBrk="1" latinLnBrk="0" hangingPunct="1"/>
             <a:r>
-              <a:rPr lang="fr-FR" smtClean="0"/>
+              <a:rPr lang="fr-FR"/>
               <a:t>Troisième niveau</a:t>
             </a:r>
           </a:p>
           <a:p>
             <a:pPr lvl="3" eaLnBrk="1" latinLnBrk="0" hangingPunct="1"/>
             <a:r>
-              <a:rPr lang="fr-FR" smtClean="0"/>
+              <a:rPr lang="fr-FR"/>
               <a:t>Quatrième niveau</a:t>
             </a:r>
           </a:p>
           <a:p>
             <a:pPr lvl="4" eaLnBrk="1" latinLnBrk="0" hangingPunct="1"/>
             <a:r>
-              <a:rPr lang="fr-FR" smtClean="0"/>
+              <a:rPr lang="fr-FR"/>
               <a:t>Cinquième niveau</a:t>
             </a:r>
             <a:endParaRPr kumimoji="0" lang="en-US"/>
@@ -1724,7 +1740,7 @@
           </a:lstStyle>
           <a:p>
             <a:r>
-              <a:rPr kumimoji="0" lang="fr-FR" smtClean="0"/>
+              <a:rPr kumimoji="0" lang="fr-FR"/>
               <a:t>Modifiez le style du titre</a:t>
             </a:r>
             <a:endParaRPr kumimoji="0" lang="en-US"/>
@@ -1784,7 +1800,7 @@
           <a:p>
             <a:pPr lvl="0" eaLnBrk="1" latinLnBrk="0" hangingPunct="1"/>
             <a:r>
-              <a:rPr kumimoji="0" lang="fr-FR" smtClean="0"/>
+              <a:rPr kumimoji="0" lang="fr-FR"/>
               <a:t>Modifiez les styles du texte du masque</a:t>
             </a:r>
           </a:p>
@@ -1841,7 +1857,7 @@
           <a:p>
             <a:pPr lvl="0" eaLnBrk="1" latinLnBrk="0" hangingPunct="1"/>
             <a:r>
-              <a:rPr kumimoji="0" lang="fr-FR" smtClean="0"/>
+              <a:rPr kumimoji="0" lang="fr-FR"/>
               <a:t>Modifiez les styles du texte du masque</a:t>
             </a:r>
           </a:p>
@@ -1934,35 +1950,35 @@
           <a:p>
             <a:pPr lvl="0" eaLnBrk="1" latinLnBrk="0" hangingPunct="1"/>
             <a:r>
-              <a:rPr lang="fr-FR" smtClean="0"/>
+              <a:rPr lang="fr-FR"/>
               <a:t>Modifiez les styles du texte du masque</a:t>
             </a:r>
           </a:p>
           <a:p>
             <a:pPr lvl="1" eaLnBrk="1" latinLnBrk="0" hangingPunct="1"/>
             <a:r>
-              <a:rPr lang="fr-FR" smtClean="0"/>
+              <a:rPr lang="fr-FR"/>
               <a:t>Deuxième niveau</a:t>
             </a:r>
           </a:p>
           <a:p>
             <a:pPr lvl="2" eaLnBrk="1" latinLnBrk="0" hangingPunct="1"/>
             <a:r>
-              <a:rPr lang="fr-FR" smtClean="0"/>
+              <a:rPr lang="fr-FR"/>
               <a:t>Troisième niveau</a:t>
             </a:r>
           </a:p>
           <a:p>
             <a:pPr lvl="3" eaLnBrk="1" latinLnBrk="0" hangingPunct="1"/>
             <a:r>
-              <a:rPr lang="fr-FR" smtClean="0"/>
+              <a:rPr lang="fr-FR"/>
               <a:t>Quatrième niveau</a:t>
             </a:r>
           </a:p>
           <a:p>
             <a:pPr lvl="4" eaLnBrk="1" latinLnBrk="0" hangingPunct="1"/>
             <a:r>
-              <a:rPr lang="fr-FR" smtClean="0"/>
+              <a:rPr lang="fr-FR"/>
               <a:t>Cinquième niveau</a:t>
             </a:r>
             <a:endParaRPr kumimoji="0" lang="en-US"/>
@@ -1991,35 +2007,35 @@
           <a:p>
             <a:pPr lvl="0" eaLnBrk="1" latinLnBrk="0" hangingPunct="1"/>
             <a:r>
-              <a:rPr lang="fr-FR" smtClean="0"/>
+              <a:rPr lang="fr-FR"/>
               <a:t>Modifiez les styles du texte du masque</a:t>
             </a:r>
           </a:p>
           <a:p>
             <a:pPr lvl="1" eaLnBrk="1" latinLnBrk="0" hangingPunct="1"/>
             <a:r>
-              <a:rPr lang="fr-FR" smtClean="0"/>
+              <a:rPr lang="fr-FR"/>
               <a:t>Deuxième niveau</a:t>
             </a:r>
           </a:p>
           <a:p>
             <a:pPr lvl="2" eaLnBrk="1" latinLnBrk="0" hangingPunct="1"/>
             <a:r>
-              <a:rPr lang="fr-FR" smtClean="0"/>
+              <a:rPr lang="fr-FR"/>
               <a:t>Troisième niveau</a:t>
             </a:r>
           </a:p>
           <a:p>
             <a:pPr lvl="3" eaLnBrk="1" latinLnBrk="0" hangingPunct="1"/>
             <a:r>
-              <a:rPr lang="fr-FR" smtClean="0"/>
+              <a:rPr lang="fr-FR"/>
               <a:t>Quatrième niveau</a:t>
             </a:r>
           </a:p>
           <a:p>
             <a:pPr lvl="4" eaLnBrk="1" latinLnBrk="0" hangingPunct="1"/>
             <a:r>
-              <a:rPr lang="fr-FR" smtClean="0"/>
+              <a:rPr lang="fr-FR"/>
               <a:t>Cinquième niveau</a:t>
             </a:r>
             <a:endParaRPr kumimoji="0" lang="en-US"/>
@@ -2072,7 +2088,7 @@
           <a:lstStyle/>
           <a:p>
             <a:r>
-              <a:rPr kumimoji="0" lang="fr-FR" smtClean="0"/>
+              <a:rPr kumimoji="0" lang="fr-FR"/>
               <a:t>Modifiez le style du titre</a:t>
             </a:r>
             <a:endParaRPr kumimoji="0" lang="en-US"/>
@@ -2430,7 +2446,7 @@
           </a:lstStyle>
           <a:p>
             <a:r>
-              <a:rPr kumimoji="0" lang="fr-FR" smtClean="0"/>
+              <a:rPr kumimoji="0" lang="fr-FR"/>
               <a:t>Modifiez le style du titre</a:t>
             </a:r>
             <a:endParaRPr kumimoji="0" lang="en-US"/>
@@ -2490,7 +2506,7 @@
           <a:p>
             <a:pPr lvl="0" eaLnBrk="1" latinLnBrk="0" hangingPunct="1"/>
             <a:r>
-              <a:rPr kumimoji="0" lang="fr-FR" smtClean="0"/>
+              <a:rPr kumimoji="0" lang="fr-FR"/>
               <a:t>Modifiez les styles du texte du masque</a:t>
             </a:r>
           </a:p>
@@ -2705,35 +2721,35 @@
           <a:p>
             <a:pPr lvl="0" eaLnBrk="1" latinLnBrk="0" hangingPunct="1"/>
             <a:r>
-              <a:rPr lang="fr-FR" smtClean="0"/>
+              <a:rPr lang="fr-FR"/>
               <a:t>Modifiez les styles du texte du masque</a:t>
             </a:r>
           </a:p>
           <a:p>
             <a:pPr lvl="1" eaLnBrk="1" latinLnBrk="0" hangingPunct="1"/>
             <a:r>
-              <a:rPr lang="fr-FR" smtClean="0"/>
+              <a:rPr lang="fr-FR"/>
               <a:t>Deuxième niveau</a:t>
             </a:r>
           </a:p>
           <a:p>
             <a:pPr lvl="2" eaLnBrk="1" latinLnBrk="0" hangingPunct="1"/>
             <a:r>
-              <a:rPr lang="fr-FR" smtClean="0"/>
+              <a:rPr lang="fr-FR"/>
               <a:t>Troisième niveau</a:t>
             </a:r>
           </a:p>
           <a:p>
             <a:pPr lvl="3" eaLnBrk="1" latinLnBrk="0" hangingPunct="1"/>
             <a:r>
-              <a:rPr lang="fr-FR" smtClean="0"/>
+              <a:rPr lang="fr-FR"/>
               <a:t>Quatrième niveau</a:t>
             </a:r>
           </a:p>
           <a:p>
             <a:pPr lvl="4" eaLnBrk="1" latinLnBrk="0" hangingPunct="1"/>
             <a:r>
-              <a:rPr lang="fr-FR" smtClean="0"/>
+              <a:rPr lang="fr-FR"/>
               <a:t>Cinquième niveau</a:t>
             </a:r>
             <a:endParaRPr kumimoji="0" lang="en-US"/>
@@ -2805,7 +2821,7 @@
           </a:lstStyle>
           <a:p>
             <a:r>
-              <a:rPr kumimoji="0" lang="fr-FR" smtClean="0"/>
+              <a:rPr kumimoji="0" lang="fr-FR"/>
               <a:t>Modifiez le style du titre</a:t>
             </a:r>
             <a:endParaRPr kumimoji="0" lang="en-US"/>
@@ -2850,7 +2866,7 @@
           </a:lstStyle>
           <a:p>
             <a:r>
-              <a:rPr kumimoji="0" lang="fr-FR" smtClean="0"/>
+              <a:rPr kumimoji="0" lang="fr-FR"/>
               <a:t>Cliquez sur l'icône pour ajouter une image</a:t>
             </a:r>
             <a:endParaRPr kumimoji="0" lang="en-US" dirty="0"/>
@@ -2897,7 +2913,7 @@
           <a:p>
             <a:pPr lvl="0" eaLnBrk="1" latinLnBrk="0" hangingPunct="1"/>
             <a:r>
-              <a:rPr kumimoji="0" lang="fr-FR" smtClean="0"/>
+              <a:rPr kumimoji="0" lang="fr-FR"/>
               <a:t>Modifiez les styles du texte du masque</a:t>
             </a:r>
           </a:p>
@@ -3156,7 +3172,7 @@
           <a:lstStyle/>
           <a:p>
             <a:r>
-              <a:rPr kumimoji="0" lang="fr-FR" smtClean="0"/>
+              <a:rPr kumimoji="0" lang="fr-FR"/>
               <a:t>Modifiez le style du titre</a:t>
             </a:r>
             <a:endParaRPr kumimoji="0" lang="en-US"/>
@@ -3190,35 +3206,35 @@
           <a:p>
             <a:pPr lvl="0" eaLnBrk="1" latinLnBrk="0" hangingPunct="1"/>
             <a:r>
-              <a:rPr kumimoji="0" lang="fr-FR" smtClean="0"/>
+              <a:rPr kumimoji="0" lang="fr-FR"/>
               <a:t>Modifiez les styles du texte du masque</a:t>
             </a:r>
           </a:p>
           <a:p>
             <a:pPr lvl="1" eaLnBrk="1" latinLnBrk="0" hangingPunct="1"/>
             <a:r>
-              <a:rPr kumimoji="0" lang="fr-FR" smtClean="0"/>
+              <a:rPr kumimoji="0" lang="fr-FR"/>
               <a:t>Deuxième niveau</a:t>
             </a:r>
           </a:p>
           <a:p>
             <a:pPr lvl="2" eaLnBrk="1" latinLnBrk="0" hangingPunct="1"/>
             <a:r>
-              <a:rPr kumimoji="0" lang="fr-FR" smtClean="0"/>
+              <a:rPr kumimoji="0" lang="fr-FR"/>
               <a:t>Troisième niveau</a:t>
             </a:r>
           </a:p>
           <a:p>
             <a:pPr lvl="3" eaLnBrk="1" latinLnBrk="0" hangingPunct="1"/>
             <a:r>
-              <a:rPr kumimoji="0" lang="fr-FR" smtClean="0"/>
+              <a:rPr kumimoji="0" lang="fr-FR"/>
               <a:t>Quatrième niveau</a:t>
             </a:r>
           </a:p>
           <a:p>
             <a:pPr lvl="4" eaLnBrk="1" latinLnBrk="0" hangingPunct="1"/>
             <a:r>
-              <a:rPr kumimoji="0" lang="fr-FR" smtClean="0"/>
+              <a:rPr kumimoji="0" lang="fr-FR"/>
               <a:t>Cinquième niveau</a:t>
             </a:r>
             <a:endParaRPr kumimoji="0" lang="en-US"/>
@@ -3809,20 +3825,15 @@
             <a:pPr algn="ctr"/>
             <a:r>
               <a:rPr lang="fr-FR" dirty="0"/>
-              <a:t>–</a:t>
-            </a:r>
-            <a:r>
-              <a:rPr lang="fr-FR" dirty="0" smtClean="0"/>
-              <a:t> Projet LO54 – </a:t>
+              <a:t>– Projet LO54 – </a:t>
             </a:r>
             <a:br>
-              <a:rPr lang="fr-FR" dirty="0" smtClean="0"/>
+              <a:rPr lang="fr-FR" dirty="0"/>
             </a:br>
             <a:r>
-              <a:rPr lang="fr-FR" dirty="0" smtClean="0"/>
+              <a:rPr lang="fr-FR" dirty="0"/>
               <a:t>Plateforme de gestion de cours</a:t>
             </a:r>
-            <a:endParaRPr lang="fr-FR" dirty="0"/>
           </a:p>
         </p:txBody>
       </p:sp>
@@ -3842,10 +3853,9 @@
           <a:lstStyle/>
           <a:p>
             <a:r>
-              <a:rPr lang="fr-FR" dirty="0" smtClean="0"/>
+              <a:rPr lang="fr-FR" dirty="0"/>
               <a:t>Par Nicolas VINCENT &amp; Alexis OUKSEL</a:t>
             </a:r>
-            <a:endParaRPr lang="fr-FR" dirty="0"/>
           </a:p>
         </p:txBody>
       </p:sp>
@@ -3895,58 +3905,56 @@
           <a:lstStyle/>
           <a:p>
             <a:r>
-              <a:rPr lang="fr-FR" dirty="0" smtClean="0"/>
+              <a:rPr lang="fr-FR" dirty="0"/>
               <a:t>Présentation du sujet</a:t>
             </a:r>
+          </a:p>
+        </p:txBody>
+      </p:sp>
+      <p:sp>
+        <p:nvSpPr>
+          <p:cNvPr id="3" name="Espace réservé du contenu 2"/>
+          <p:cNvSpPr>
+            <a:spLocks noGrp="1"/>
+          </p:cNvSpPr>
+          <p:nvPr>
+            <p:ph sz="quarter" idx="1"/>
+          </p:nvPr>
+        </p:nvSpPr>
+        <p:spPr/>
+        <p:txBody>
+          <a:bodyPr/>
+          <a:lstStyle/>
+          <a:p>
+            <a:r>
+              <a:rPr lang="fr-FR" dirty="0"/>
+              <a:t>Contexte du projet</a:t>
+            </a:r>
+          </a:p>
+          <a:p>
+            <a:r>
+              <a:rPr lang="fr-FR" dirty="0"/>
+              <a:t>Introduction à </a:t>
+            </a:r>
+            <a:r>
+              <a:rPr lang="fr-FR" dirty="0" err="1"/>
+              <a:t>Spring</a:t>
+            </a:r>
+            <a:r>
+              <a:rPr lang="fr-FR" dirty="0"/>
+              <a:t> </a:t>
+            </a:r>
+            <a:r>
+              <a:rPr lang="fr-FR" dirty="0" err="1"/>
+              <a:t>RESTful</a:t>
+            </a:r>
             <a:endParaRPr lang="fr-FR" dirty="0"/>
           </a:p>
-        </p:txBody>
-      </p:sp>
-      <p:sp>
-        <p:nvSpPr>
-          <p:cNvPr id="3" name="Espace réservé du contenu 2"/>
-          <p:cNvSpPr>
-            <a:spLocks noGrp="1"/>
-          </p:cNvSpPr>
-          <p:nvPr>
-            <p:ph sz="quarter" idx="1"/>
-          </p:nvPr>
-        </p:nvSpPr>
-        <p:spPr/>
-        <p:txBody>
-          <a:bodyPr/>
-          <a:lstStyle/>
-          <a:p>
-            <a:r>
-              <a:rPr lang="fr-FR" dirty="0" smtClean="0"/>
-              <a:t>Contexte du projet</a:t>
-            </a:r>
-          </a:p>
-          <a:p>
-            <a:r>
-              <a:rPr lang="fr-FR" dirty="0" smtClean="0"/>
-              <a:t>Introduction à </a:t>
-            </a:r>
-            <a:r>
-              <a:rPr lang="fr-FR" dirty="0" err="1" smtClean="0"/>
-              <a:t>Spring</a:t>
-            </a:r>
-            <a:r>
-              <a:rPr lang="fr-FR" dirty="0" smtClean="0"/>
-              <a:t> </a:t>
-            </a:r>
-            <a:r>
-              <a:rPr lang="fr-FR" dirty="0" err="1" smtClean="0"/>
-              <a:t>RESTful</a:t>
-            </a:r>
-            <a:endParaRPr lang="fr-FR" dirty="0" smtClean="0"/>
-          </a:p>
-          <a:p>
-            <a:r>
-              <a:rPr lang="fr-FR" dirty="0" smtClean="0"/>
+          <a:p>
+            <a:r>
+              <a:rPr lang="fr-FR" dirty="0"/>
               <a:t>Objectifs choisis</a:t>
             </a:r>
-            <a:endParaRPr lang="fr-FR" dirty="0"/>
           </a:p>
         </p:txBody>
       </p:sp>
@@ -3996,10 +4004,9 @@
           <a:lstStyle/>
           <a:p>
             <a:r>
-              <a:rPr lang="fr-FR" dirty="0" smtClean="0"/>
+              <a:rPr lang="fr-FR" dirty="0"/>
               <a:t>Technologies employées	</a:t>
             </a:r>
-            <a:endParaRPr lang="fr-FR" dirty="0"/>
           </a:p>
         </p:txBody>
       </p:sp>
@@ -4019,38 +4026,9 @@
           <a:lstStyle/>
           <a:p>
             <a:r>
-              <a:rPr lang="fr-FR" dirty="0" smtClean="0"/>
+              <a:rPr lang="fr-FR" dirty="0"/>
               <a:t>J2E</a:t>
             </a:r>
-          </a:p>
-          <a:p>
-            <a:pPr lvl="1"/>
-            <a:r>
-              <a:rPr lang="fr-FR" dirty="0" smtClean="0"/>
-              <a:t>Forces / faiblesses</a:t>
-            </a:r>
-          </a:p>
-          <a:p>
-            <a:pPr lvl="1"/>
-            <a:r>
-              <a:rPr lang="fr-FR" dirty="0" smtClean="0"/>
-              <a:t>Technologies alternatives</a:t>
-            </a:r>
-          </a:p>
-          <a:p>
-            <a:r>
-              <a:rPr lang="fr-FR" dirty="0" err="1" smtClean="0"/>
-              <a:t>Spring</a:t>
-            </a:r>
-            <a:r>
-              <a:rPr lang="fr-FR" dirty="0" smtClean="0"/>
-              <a:t> </a:t>
-            </a:r>
-            <a:r>
-              <a:rPr lang="fr-FR" dirty="0" err="1" smtClean="0"/>
-              <a:t>RESTful</a:t>
-            </a:r>
-            <a:endParaRPr lang="fr-FR" dirty="0"/>
           </a:p>
           <a:p>
             <a:pPr lvl="1"/>
@@ -4063,11 +4041,36 @@
             <a:pPr lvl="1"/>
             <a:r>
               <a:rPr lang="fr-FR" dirty="0"/>
-              <a:t>Technologies </a:t>
-            </a:r>
-            <a:r>
-              <a:rPr lang="fr-FR" dirty="0" smtClean="0"/>
-              <a:t>alternatives</a:t>
+              <a:t>Technologies alternatives</a:t>
+            </a:r>
+          </a:p>
+          <a:p>
+            <a:r>
+              <a:rPr lang="fr-FR" dirty="0" err="1"/>
+              <a:t>Spring</a:t>
+            </a:r>
+            <a:r>
+              <a:rPr lang="fr-FR" dirty="0"/>
+              <a:t> </a:t>
+            </a:r>
+            <a:r>
+              <a:rPr lang="fr-FR" dirty="0" err="1"/>
+              <a:t>RESTful</a:t>
+            </a:r>
+            <a:endParaRPr lang="fr-FR" dirty="0"/>
+          </a:p>
+          <a:p>
+            <a:pPr lvl="1"/>
+            <a:r>
+              <a:rPr lang="fr-FR" dirty="0"/>
+              <a:t>Forces / faiblesses</a:t>
+            </a:r>
+          </a:p>
+          <a:p>
+            <a:pPr lvl="1"/>
+            <a:r>
+              <a:rPr lang="fr-FR" dirty="0"/>
+              <a:t>Technologies alternatives</a:t>
             </a:r>
           </a:p>
           <a:p>
@@ -4121,10 +4124,9 @@
           <a:lstStyle/>
           <a:p>
             <a:r>
-              <a:rPr lang="fr-FR" dirty="0" smtClean="0"/>
+              <a:rPr lang="fr-FR" dirty="0"/>
               <a:t>Architecture créée</a:t>
             </a:r>
-            <a:endParaRPr lang="fr-FR" dirty="0"/>
           </a:p>
         </p:txBody>
       </p:sp>
@@ -4143,7 +4145,48 @@
           <a:bodyPr/>
           <a:lstStyle/>
           <a:p>
-            <a:endParaRPr lang="fr-FR"/>
+            <a:r>
+              <a:rPr lang="fr-FR" dirty="0"/>
+              <a:t>Logique métier disponible par des points d’entrées définis</a:t>
+            </a:r>
+          </a:p>
+          <a:p>
+            <a:r>
+              <a:rPr lang="fr-FR" dirty="0"/>
+              <a:t>Normes RESTful</a:t>
+            </a:r>
+          </a:p>
+          <a:p>
+            <a:r>
+              <a:rPr lang="fr-FR" dirty="0"/>
+              <a:t>Basée sur le modèle CRUD pour chaque entité</a:t>
+            </a:r>
+          </a:p>
+          <a:p>
+            <a:r>
+              <a:rPr lang="fr-FR" dirty="0"/>
+              <a:t>Authentification nécessaire</a:t>
+            </a:r>
+          </a:p>
+          <a:p>
+            <a:r>
+              <a:rPr lang="fr-FR" dirty="0"/>
+              <a:t>L’application </a:t>
+            </a:r>
+            <a:r>
+              <a:rPr lang="fr-FR" dirty="0" err="1"/>
+              <a:t>React</a:t>
+            </a:r>
+            <a:r>
+              <a:rPr lang="fr-FR" dirty="0"/>
+              <a:t>, interface de notre API</a:t>
+            </a:r>
+          </a:p>
+          <a:p>
+            <a:r>
+              <a:rPr lang="fr-FR" dirty="0"/>
+              <a:t>Implémentation plus ciblé sur le front</a:t>
+            </a:r>
           </a:p>
         </p:txBody>
       </p:sp>
@@ -4168,8 +4211,8 @@
         </p:blipFill>
         <p:spPr bwMode="auto">
           <a:xfrm>
-            <a:off x="4355976" y="2492896"/>
-            <a:ext cx="4464496" cy="2232249"/>
+            <a:off x="4466592" y="4253840"/>
+            <a:ext cx="3901438" cy="1950720"/>
           </a:xfrm>
           <a:prstGeom prst="rect">
             <a:avLst/>
@@ -4197,6 +4240,96 @@
               </a14:hiddenLine>
             </a:ext>
           </a:extLst>
+        </p:spPr>
+      </p:pic>
+      <p:sp>
+        <p:nvSpPr>
+          <p:cNvPr id="5" name="Rectangle 4">
+            <a:extLst>
+              <a:ext uri="{FF2B5EF4-FFF2-40B4-BE49-F238E27FC236}">
+                <a16:creationId xmlns:a16="http://schemas.microsoft.com/office/drawing/2014/main" id="{8AE2A30F-F593-48BD-B936-11D28C2FD4B9}"/>
+              </a:ext>
+            </a:extLst>
+          </p:cNvPr>
+          <p:cNvSpPr/>
+          <p:nvPr/>
+        </p:nvSpPr>
+        <p:spPr>
+          <a:xfrm>
+            <a:off x="7549190" y="5805264"/>
+            <a:ext cx="631114" cy="172122"/>
+          </a:xfrm>
+          <a:prstGeom prst="rect">
+            <a:avLst/>
+          </a:prstGeom>
+          <a:ln>
+            <a:solidFill>
+              <a:schemeClr val="bg1"/>
+            </a:solidFill>
+          </a:ln>
+        </p:spPr>
+        <p:style>
+          <a:lnRef idx="2">
+            <a:schemeClr val="dk1"/>
+          </a:lnRef>
+          <a:fillRef idx="1">
+            <a:schemeClr val="lt1"/>
+          </a:fillRef>
+          <a:effectRef idx="0">
+            <a:schemeClr val="dk1"/>
+          </a:effectRef>
+          <a:fontRef idx="minor">
+            <a:schemeClr val="dk1"/>
+          </a:fontRef>
+        </p:style>
+        <p:txBody>
+          <a:bodyPr rtlCol="0" anchor="ctr"/>
+          <a:lstStyle/>
+          <a:p>
+            <a:pPr algn="ctr"/>
+            <a:r>
+              <a:rPr lang="fr-FR" sz="1100" dirty="0"/>
+              <a:t>(</a:t>
+            </a:r>
+            <a:r>
+              <a:rPr lang="fr-FR" sz="1100" dirty="0" err="1"/>
+              <a:t>MySql</a:t>
+            </a:r>
+            <a:r>
+              <a:rPr lang="fr-FR" sz="1100" dirty="0"/>
+              <a:t>)</a:t>
+            </a:r>
+          </a:p>
+        </p:txBody>
+      </p:sp>
+      <p:pic>
+        <p:nvPicPr>
+          <p:cNvPr id="6" name="Image 5">
+            <a:extLst>
+              <a:ext uri="{FF2B5EF4-FFF2-40B4-BE49-F238E27FC236}">
+                <a16:creationId xmlns:a16="http://schemas.microsoft.com/office/drawing/2014/main" id="{3613284F-B66B-4BF0-950E-AD98FDF58DDC}"/>
+              </a:ext>
+            </a:extLst>
+          </p:cNvPr>
+          <p:cNvPicPr>
+            <a:picLocks noChangeAspect="1"/>
+          </p:cNvPicPr>
+          <p:nvPr/>
+        </p:nvPicPr>
+        <p:blipFill>
+          <a:blip r:embed="rId3"/>
+          <a:stretch>
+            <a:fillRect/>
+          </a:stretch>
+        </p:blipFill>
+        <p:spPr>
+          <a:xfrm>
+            <a:off x="513456" y="4644949"/>
+            <a:ext cx="3683672" cy="1115880"/>
+          </a:xfrm>
+          <a:prstGeom prst="rect">
+            <a:avLst/>
+          </a:prstGeom>
         </p:spPr>
       </p:pic>
     </p:spTree>
@@ -4245,10 +4378,9 @@
           <a:lstStyle/>
           <a:p>
             <a:r>
-              <a:rPr lang="fr-FR" dirty="0" smtClean="0"/>
+              <a:rPr lang="fr-FR" dirty="0"/>
               <a:t>Conclusion</a:t>
             </a:r>
-            <a:endParaRPr lang="fr-FR" dirty="0"/>
           </a:p>
         </p:txBody>
       </p:sp>
@@ -4268,16 +4400,15 @@
           <a:lstStyle/>
           <a:p>
             <a:r>
-              <a:rPr lang="fr-FR" dirty="0" smtClean="0"/>
+              <a:rPr lang="fr-FR" dirty="0"/>
               <a:t>Forces / Faiblesses du projet</a:t>
             </a:r>
           </a:p>
           <a:p>
             <a:r>
-              <a:rPr lang="fr-FR" dirty="0" smtClean="0"/>
+              <a:rPr lang="fr-FR" dirty="0"/>
               <a:t>Améliorations futures</a:t>
             </a:r>
-            <a:endParaRPr lang="fr-FR" dirty="0"/>
           </a:p>
         </p:txBody>
       </p:sp>
